--- a/presentacion/fede/presentacion fede.pptx
+++ b/presentacion/fede/presentacion fede.pptx
@@ -8,7 +8,12 @@
     <p:sldId id="257" r:id="rId2"/>
     <p:sldId id="256" r:id="rId3"/>
     <p:sldId id="258" r:id="rId4"/>
-    <p:sldId id="259" r:id="rId5"/>
+    <p:sldId id="262" r:id="rId5"/>
+    <p:sldId id="259" r:id="rId6"/>
+    <p:sldId id="260" r:id="rId7"/>
+    <p:sldId id="264" r:id="rId8"/>
+    <p:sldId id="263" r:id="rId9"/>
+    <p:sldId id="261" r:id="rId10"/>
   </p:sldIdLst>
   <p:sldSz cx="9144000" cy="6858000" type="screen4x3"/>
   <p:notesSz cx="6858000" cy="9144000"/>
@@ -291,7 +296,7 @@
           <a:p>
             <a:fld id="{7A847CFC-816F-41D0-AAC0-9BF4FEBC753E}" type="datetimeFigureOut">
               <a:rPr lang="es-ES" smtClean="0"/>
-              <a:t>07/08/2014</a:t>
+              <a:t>09/08/2014</a:t>
             </a:fld>
             <a:endParaRPr lang="es-ES"/>
           </a:p>
@@ -456,7 +461,7 @@
           <a:p>
             <a:fld id="{7A847CFC-816F-41D0-AAC0-9BF4FEBC753E}" type="datetimeFigureOut">
               <a:rPr lang="es-ES" smtClean="0"/>
-              <a:t>07/08/2014</a:t>
+              <a:t>09/08/2014</a:t>
             </a:fld>
             <a:endParaRPr lang="es-ES"/>
           </a:p>
@@ -631,7 +636,7 @@
           <a:p>
             <a:fld id="{7A847CFC-816F-41D0-AAC0-9BF4FEBC753E}" type="datetimeFigureOut">
               <a:rPr lang="es-ES" smtClean="0"/>
-              <a:t>07/08/2014</a:t>
+              <a:t>09/08/2014</a:t>
             </a:fld>
             <a:endParaRPr lang="es-ES"/>
           </a:p>
@@ -796,7 +801,7 @@
           <a:p>
             <a:fld id="{7A847CFC-816F-41D0-AAC0-9BF4FEBC753E}" type="datetimeFigureOut">
               <a:rPr lang="es-ES" smtClean="0"/>
-              <a:t>07/08/2014</a:t>
+              <a:t>09/08/2014</a:t>
             </a:fld>
             <a:endParaRPr lang="es-ES"/>
           </a:p>
@@ -1037,7 +1042,7 @@
           <a:p>
             <a:fld id="{7A847CFC-816F-41D0-AAC0-9BF4FEBC753E}" type="datetimeFigureOut">
               <a:rPr lang="es-ES" smtClean="0"/>
-              <a:t>07/08/2014</a:t>
+              <a:t>09/08/2014</a:t>
             </a:fld>
             <a:endParaRPr lang="es-ES"/>
           </a:p>
@@ -1320,7 +1325,7 @@
           <a:p>
             <a:fld id="{7A847CFC-816F-41D0-AAC0-9BF4FEBC753E}" type="datetimeFigureOut">
               <a:rPr lang="es-ES" smtClean="0"/>
-              <a:t>07/08/2014</a:t>
+              <a:t>09/08/2014</a:t>
             </a:fld>
             <a:endParaRPr lang="es-ES"/>
           </a:p>
@@ -1737,7 +1742,7 @@
           <a:p>
             <a:fld id="{7A847CFC-816F-41D0-AAC0-9BF4FEBC753E}" type="datetimeFigureOut">
               <a:rPr lang="es-ES" smtClean="0"/>
-              <a:t>07/08/2014</a:t>
+              <a:t>09/08/2014</a:t>
             </a:fld>
             <a:endParaRPr lang="es-ES"/>
           </a:p>
@@ -1850,7 +1855,7 @@
           <a:p>
             <a:fld id="{7A847CFC-816F-41D0-AAC0-9BF4FEBC753E}" type="datetimeFigureOut">
               <a:rPr lang="es-ES" smtClean="0"/>
-              <a:t>07/08/2014</a:t>
+              <a:t>09/08/2014</a:t>
             </a:fld>
             <a:endParaRPr lang="es-ES"/>
           </a:p>
@@ -1940,7 +1945,7 @@
           <a:p>
             <a:fld id="{7A847CFC-816F-41D0-AAC0-9BF4FEBC753E}" type="datetimeFigureOut">
               <a:rPr lang="es-ES" smtClean="0"/>
-              <a:t>07/08/2014</a:t>
+              <a:t>09/08/2014</a:t>
             </a:fld>
             <a:endParaRPr lang="es-ES"/>
           </a:p>
@@ -2212,7 +2217,7 @@
           <a:p>
             <a:fld id="{7A847CFC-816F-41D0-AAC0-9BF4FEBC753E}" type="datetimeFigureOut">
               <a:rPr lang="es-ES" smtClean="0"/>
-              <a:t>07/08/2014</a:t>
+              <a:t>09/08/2014</a:t>
             </a:fld>
             <a:endParaRPr lang="es-ES"/>
           </a:p>
@@ -2460,7 +2465,7 @@
           <a:p>
             <a:fld id="{7A847CFC-816F-41D0-AAC0-9BF4FEBC753E}" type="datetimeFigureOut">
               <a:rPr lang="es-ES" smtClean="0"/>
-              <a:t>07/08/2014</a:t>
+              <a:t>09/08/2014</a:t>
             </a:fld>
             <a:endParaRPr lang="es-ES"/>
           </a:p>
@@ -2520,9 +2525,15 @@
 <p:sldMaster xmlns:a="http://schemas.openxmlformats.org/drawingml/2006/main" xmlns:r="http://schemas.openxmlformats.org/officeDocument/2006/relationships" xmlns:p="http://schemas.openxmlformats.org/presentationml/2006/main">
   <p:cSld>
     <p:bg>
-      <p:bgRef idx="1001">
-        <a:schemeClr val="bg1"/>
-      </p:bgRef>
+      <p:bgPr>
+        <a:solidFill>
+          <a:schemeClr val="tx2">
+            <a:lumMod val="60000"/>
+            <a:lumOff val="40000"/>
+          </a:schemeClr>
+        </a:solidFill>
+        <a:effectLst/>
+      </p:bgPr>
     </p:bg>
     <p:spTree>
       <p:nvGrpSpPr>
@@ -2668,7 +2679,7 @@
           <a:p>
             <a:fld id="{7A847CFC-816F-41D0-AAC0-9BF4FEBC753E}" type="datetimeFigureOut">
               <a:rPr lang="es-ES" smtClean="0"/>
-              <a:t>07/08/2014</a:t>
+              <a:t>09/08/2014</a:t>
             </a:fld>
             <a:endParaRPr lang="es-ES"/>
           </a:p>
@@ -3061,17 +3072,33 @@
           <a:lstStyle/>
           <a:p>
             <a:r>
-              <a:rPr lang="es-ES" sz="9600" dirty="0" smtClean="0"/>
+              <a:rPr lang="es-ES" sz="9600" dirty="0" smtClean="0">
+                <a:solidFill>
+                  <a:schemeClr val="bg1"/>
+                </a:solidFill>
+              </a:rPr>
               <a:t>Modulo de </a:t>
             </a:r>
             <a:br>
-              <a:rPr lang="es-ES" sz="9600" dirty="0" smtClean="0"/>
+              <a:rPr lang="es-ES" sz="9600" dirty="0" smtClean="0">
+                <a:solidFill>
+                  <a:schemeClr val="bg1"/>
+                </a:solidFill>
+              </a:rPr>
             </a:br>
             <a:r>
-              <a:rPr lang="es-ES" sz="9600" dirty="0" smtClean="0"/>
+              <a:rPr lang="es-ES" sz="9600" dirty="0" smtClean="0">
+                <a:solidFill>
+                  <a:schemeClr val="bg1"/>
+                </a:solidFill>
+              </a:rPr>
               <a:t>Compras</a:t>
             </a:r>
-            <a:endParaRPr lang="es-ES" sz="9600" dirty="0"/>
+            <a:endParaRPr lang="es-ES" sz="9600" dirty="0">
+              <a:solidFill>
+                <a:schemeClr val="bg1"/>
+              </a:solidFill>
+            </a:endParaRPr>
           </a:p>
         </p:txBody>
       </p:sp>
@@ -3191,14 +3218,32 @@
         </p:nvSpPr>
         <p:spPr/>
         <p:txBody>
-          <a:bodyPr/>
-          <a:lstStyle/>
-          <a:p>
-            <a:r>
-              <a:rPr lang="es-ES" dirty="0" smtClean="0"/>
-              <a:t>Requerimientos del Modulo</a:t>
-            </a:r>
-            <a:endParaRPr lang="es-ES" dirty="0"/>
+          <a:bodyPr>
+            <a:normAutofit fontScale="90000"/>
+          </a:bodyPr>
+          <a:lstStyle/>
+          <a:p>
+            <a:r>
+              <a:rPr lang="es-ES" dirty="0" smtClean="0">
+                <a:solidFill>
+                  <a:schemeClr val="bg1"/>
+                </a:solidFill>
+              </a:rPr>
+              <a:t>Requerimientos del </a:t>
+            </a:r>
+            <a:r>
+              <a:rPr lang="es-ES" dirty="0" smtClean="0">
+                <a:solidFill>
+                  <a:schemeClr val="bg1"/>
+                </a:solidFill>
+              </a:rPr>
+              <a:t>Modulo de Compras</a:t>
+            </a:r>
+            <a:endParaRPr lang="es-ES" dirty="0">
+              <a:solidFill>
+                <a:schemeClr val="bg1"/>
+              </a:solidFill>
+            </a:endParaRPr>
           </a:p>
         </p:txBody>
       </p:sp>
@@ -3223,29 +3268,49 @@
               <a:buNone/>
             </a:pPr>
             <a:r>
-              <a:rPr lang="es-ES" dirty="0" smtClean="0"/>
+              <a:rPr lang="es-ES" dirty="0" smtClean="0">
+                <a:solidFill>
+                  <a:schemeClr val="bg1"/>
+                </a:solidFill>
+              </a:rPr>
               <a:t>1</a:t>
             </a:r>
             <a:r>
-              <a:rPr lang="es-ES" dirty="0"/>
+              <a:rPr lang="es-ES" dirty="0">
+                <a:solidFill>
+                  <a:schemeClr val="bg1"/>
+                </a:solidFill>
+              </a:rPr>
               <a:t>. Se registraran los datos relacionados al producto.</a:t>
             </a:r>
           </a:p>
           <a:p>
             <a:pPr lvl="1"/>
             <a:r>
-              <a:rPr lang="es-ES" dirty="0"/>
+              <a:rPr lang="es-ES" dirty="0">
+                <a:solidFill>
+                  <a:schemeClr val="bg1"/>
+                </a:solidFill>
+              </a:rPr>
               <a:t>Aspectos adicionales a ser considerados</a:t>
             </a:r>
           </a:p>
           <a:p>
             <a:pPr lvl="2"/>
             <a:r>
-              <a:rPr lang="es-ES" dirty="0" smtClean="0"/>
+              <a:rPr lang="es-ES" dirty="0" smtClean="0">
+                <a:solidFill>
+                  <a:schemeClr val="bg1"/>
+                </a:solidFill>
+              </a:rPr>
               <a:t>Tipo </a:t>
             </a:r>
             <a:r>
-              <a:rPr lang="es-ES" dirty="0"/>
+              <a:rPr lang="es-ES" dirty="0">
+                <a:solidFill>
+                  <a:schemeClr val="bg1"/>
+                </a:solidFill>
+              </a:rPr>
               <a:t>de producto- Unidad de medida.</a:t>
             </a:r>
           </a:p>
@@ -3254,7 +3319,11 @@
               <a:buNone/>
             </a:pPr>
             <a:r>
-              <a:rPr lang="es-ES" dirty="0"/>
+              <a:rPr lang="es-ES" dirty="0">
+                <a:solidFill>
+                  <a:schemeClr val="bg1"/>
+                </a:solidFill>
+              </a:rPr>
               <a:t>2. Se registran los datos de los proveedores.</a:t>
             </a:r>
           </a:p>
@@ -3263,64 +3332,108 @@
               <a:buNone/>
             </a:pPr>
             <a:r>
-              <a:rPr lang="es-ES" dirty="0"/>
+              <a:rPr lang="es-ES" dirty="0">
+                <a:solidFill>
+                  <a:schemeClr val="bg1"/>
+                </a:solidFill>
+              </a:rPr>
               <a:t>3. Se registran los pagos</a:t>
             </a:r>
           </a:p>
           <a:p>
             <a:pPr lvl="1"/>
             <a:r>
-              <a:rPr lang="es-ES" dirty="0"/>
+              <a:rPr lang="es-ES" dirty="0">
+                <a:solidFill>
+                  <a:schemeClr val="bg1"/>
+                </a:solidFill>
+              </a:rPr>
               <a:t>Aspectos adicionales a ser considerados</a:t>
             </a:r>
           </a:p>
           <a:p>
             <a:pPr lvl="2" indent="-342900"/>
             <a:r>
-              <a:rPr lang="es-ES" dirty="0" smtClean="0"/>
+              <a:rPr lang="es-ES" dirty="0" smtClean="0">
+                <a:solidFill>
+                  <a:schemeClr val="bg1"/>
+                </a:solidFill>
+              </a:rPr>
               <a:t>Contado - </a:t>
             </a:r>
             <a:r>
-              <a:rPr lang="es-ES" dirty="0" err="1"/>
-              <a:t>Credito</a:t>
-            </a:r>
-            <a:endParaRPr lang="es-ES" dirty="0"/>
+              <a:rPr lang="es-ES" dirty="0" smtClean="0">
+                <a:solidFill>
+                  <a:schemeClr val="bg1"/>
+                </a:solidFill>
+              </a:rPr>
+              <a:t>Crédito</a:t>
+            </a:r>
+            <a:endParaRPr lang="es-ES" dirty="0">
+              <a:solidFill>
+                <a:schemeClr val="bg1"/>
+              </a:solidFill>
+            </a:endParaRPr>
           </a:p>
           <a:p>
             <a:pPr marL="0" indent="0">
               <a:buNone/>
             </a:pPr>
             <a:r>
-              <a:rPr lang="es-ES" dirty="0"/>
+              <a:rPr lang="es-ES" dirty="0">
+                <a:solidFill>
+                  <a:schemeClr val="bg1"/>
+                </a:solidFill>
+              </a:rPr>
               <a:t>4. Se registran egresos de dinero por compras</a:t>
             </a:r>
           </a:p>
           <a:p>
             <a:pPr lvl="1"/>
             <a:r>
-              <a:rPr lang="es-ES" dirty="0"/>
+              <a:rPr lang="es-ES" dirty="0">
+                <a:solidFill>
+                  <a:schemeClr val="bg1"/>
+                </a:solidFill>
+              </a:rPr>
               <a:t>Aspectos adicionales a ser considerados</a:t>
             </a:r>
           </a:p>
           <a:p>
             <a:pPr lvl="2" indent="-342900"/>
             <a:r>
-              <a:rPr lang="es-ES" dirty="0" smtClean="0"/>
+              <a:rPr lang="es-ES" dirty="0" smtClean="0">
+                <a:solidFill>
+                  <a:schemeClr val="bg1"/>
+                </a:solidFill>
+              </a:rPr>
               <a:t>Compras </a:t>
             </a:r>
             <a:r>
-              <a:rPr lang="es-ES" dirty="0"/>
+              <a:rPr lang="es-ES" dirty="0">
+                <a:solidFill>
+                  <a:schemeClr val="bg1"/>
+                </a:solidFill>
+              </a:rPr>
               <a:t>fuera del local</a:t>
             </a:r>
           </a:p>
           <a:p>
             <a:pPr lvl="2" indent="-342900"/>
             <a:r>
-              <a:rPr lang="es-ES" dirty="0" smtClean="0"/>
+              <a:rPr lang="es-ES" dirty="0" smtClean="0">
+                <a:solidFill>
+                  <a:schemeClr val="bg1"/>
+                </a:solidFill>
+              </a:rPr>
               <a:t>Compras </a:t>
             </a:r>
             <a:r>
-              <a:rPr lang="es-ES" dirty="0"/>
+              <a:rPr lang="es-ES" dirty="0">
+                <a:solidFill>
+                  <a:schemeClr val="bg1"/>
+                </a:solidFill>
+              </a:rPr>
               <a:t>dentro del local</a:t>
             </a:r>
           </a:p>
@@ -3329,7 +3442,11 @@
               <a:buNone/>
             </a:pPr>
             <a:r>
-              <a:rPr lang="es-ES" dirty="0"/>
+              <a:rPr lang="es-ES" dirty="0">
+                <a:solidFill>
+                  <a:schemeClr val="bg1"/>
+                </a:solidFill>
+              </a:rPr>
               <a:t>5. Registrar factura</a:t>
             </a:r>
           </a:p>
@@ -3396,8 +3513,74 @@
         </p:blipFill>
         <p:spPr>
           <a:xfrm>
-            <a:off x="0" y="0"/>
-            <a:ext cx="9144000" cy="6858000"/>
+            <a:off x="0" y="116632"/>
+            <a:ext cx="9144000" cy="6741368"/>
+          </a:xfrm>
+        </p:spPr>
+      </p:pic>
+    </p:spTree>
+    <p:extLst>
+      <p:ext uri="{BB962C8B-B14F-4D97-AF65-F5344CB8AC3E}">
+        <p14:creationId xmlns:p14="http://schemas.microsoft.com/office/powerpoint/2010/main" val="3165021073"/>
+      </p:ext>
+    </p:extLst>
+  </p:cSld>
+  <p:clrMapOvr>
+    <a:masterClrMapping/>
+  </p:clrMapOvr>
+  <p:timing>
+    <p:tnLst>
+      <p:par>
+        <p:cTn id="1" dur="indefinite" restart="never" nodeType="tmRoot"/>
+      </p:par>
+    </p:tnLst>
+  </p:timing>
+</p:sld>
+</file>
+
+<file path=ppt/slides/slide5.xml><?xml version="1.0" encoding="utf-8"?>
+<p:sld xmlns:a="http://schemas.openxmlformats.org/drawingml/2006/main" xmlns:r="http://schemas.openxmlformats.org/officeDocument/2006/relationships" xmlns:p="http://schemas.openxmlformats.org/presentationml/2006/main">
+  <p:cSld>
+    <p:spTree>
+      <p:nvGrpSpPr>
+        <p:cNvPr id="1" name=""/>
+        <p:cNvGrpSpPr/>
+        <p:nvPr/>
+      </p:nvGrpSpPr>
+      <p:grpSpPr>
+        <a:xfrm>
+          <a:off x="0" y="0"/>
+          <a:ext cx="0" cy="0"/>
+          <a:chOff x="0" y="0"/>
+          <a:chExt cx="0" cy="0"/>
+        </a:xfrm>
+      </p:grpSpPr>
+      <p:pic>
+        <p:nvPicPr>
+          <p:cNvPr id="6" name="5 Marcador de contenido"/>
+          <p:cNvPicPr>
+            <a:picLocks noGrp="1" noChangeAspect="1"/>
+          </p:cNvPicPr>
+          <p:nvPr>
+            <p:ph idx="1"/>
+          </p:nvPr>
+        </p:nvPicPr>
+        <p:blipFill>
+          <a:blip r:embed="rId2">
+            <a:extLst>
+              <a:ext uri="{28A0092B-C50C-407E-A947-70E740481C1C}">
+                <a14:useLocalDpi xmlns:a14="http://schemas.microsoft.com/office/drawing/2010/main" val="0"/>
+              </a:ext>
+            </a:extLst>
+          </a:blip>
+          <a:stretch>
+            <a:fillRect/>
+          </a:stretch>
+        </p:blipFill>
+        <p:spPr>
+          <a:xfrm>
+            <a:off x="107504" y="116632"/>
+            <a:ext cx="9361040" cy="6912768"/>
           </a:xfrm>
         </p:spPr>
       </p:pic>
@@ -3418,6 +3601,365 @@
       </p:par>
     </p:tnLst>
   </p:timing>
+</p:sld>
+</file>
+
+<file path=ppt/slides/slide6.xml><?xml version="1.0" encoding="utf-8"?>
+<p:sld xmlns:a="http://schemas.openxmlformats.org/drawingml/2006/main" xmlns:r="http://schemas.openxmlformats.org/officeDocument/2006/relationships" xmlns:p="http://schemas.openxmlformats.org/presentationml/2006/main">
+  <p:cSld>
+    <p:spTree>
+      <p:nvGrpSpPr>
+        <p:cNvPr id="1" name=""/>
+        <p:cNvGrpSpPr/>
+        <p:nvPr/>
+      </p:nvGrpSpPr>
+      <p:grpSpPr>
+        <a:xfrm>
+          <a:off x="0" y="0"/>
+          <a:ext cx="0" cy="0"/>
+          <a:chOff x="0" y="0"/>
+          <a:chExt cx="0" cy="0"/>
+        </a:xfrm>
+      </p:grpSpPr>
+      <p:pic>
+        <p:nvPicPr>
+          <p:cNvPr id="6" name="5 Marcador de contenido"/>
+          <p:cNvPicPr>
+            <a:picLocks noGrp="1" noChangeAspect="1"/>
+          </p:cNvPicPr>
+          <p:nvPr>
+            <p:ph idx="1"/>
+          </p:nvPr>
+        </p:nvPicPr>
+        <p:blipFill>
+          <a:blip r:embed="rId2">
+            <a:extLst>
+              <a:ext uri="{28A0092B-C50C-407E-A947-70E740481C1C}">
+                <a14:useLocalDpi xmlns:a14="http://schemas.microsoft.com/office/drawing/2010/main" val="0"/>
+              </a:ext>
+            </a:extLst>
+          </a:blip>
+          <a:stretch>
+            <a:fillRect/>
+          </a:stretch>
+        </p:blipFill>
+        <p:spPr>
+          <a:xfrm>
+            <a:off x="107504" y="116632"/>
+            <a:ext cx="9361040" cy="6912767"/>
+          </a:xfrm>
+        </p:spPr>
+      </p:pic>
+    </p:spTree>
+    <p:extLst>
+      <p:ext uri="{BB962C8B-B14F-4D97-AF65-F5344CB8AC3E}">
+        <p14:creationId xmlns:p14="http://schemas.microsoft.com/office/powerpoint/2010/main" val="97821849"/>
+      </p:ext>
+    </p:extLst>
+  </p:cSld>
+  <p:clrMapOvr>
+    <a:masterClrMapping/>
+  </p:clrMapOvr>
+  <p:timing>
+    <p:tnLst>
+      <p:par>
+        <p:cTn id="1" dur="indefinite" restart="never" nodeType="tmRoot"/>
+      </p:par>
+    </p:tnLst>
+  </p:timing>
+</p:sld>
+</file>
+
+<file path=ppt/slides/slide7.xml><?xml version="1.0" encoding="utf-8"?>
+<p:sld xmlns:a="http://schemas.openxmlformats.org/drawingml/2006/main" xmlns:r="http://schemas.openxmlformats.org/officeDocument/2006/relationships" xmlns:p="http://schemas.openxmlformats.org/presentationml/2006/main">
+  <p:cSld>
+    <p:spTree>
+      <p:nvGrpSpPr>
+        <p:cNvPr id="1" name=""/>
+        <p:cNvGrpSpPr/>
+        <p:nvPr/>
+      </p:nvGrpSpPr>
+      <p:grpSpPr>
+        <a:xfrm>
+          <a:off x="0" y="0"/>
+          <a:ext cx="0" cy="0"/>
+          <a:chOff x="0" y="0"/>
+          <a:chExt cx="0" cy="0"/>
+        </a:xfrm>
+      </p:grpSpPr>
+      <p:sp>
+        <p:nvSpPr>
+          <p:cNvPr id="2" name="1 Título"/>
+          <p:cNvSpPr>
+            <a:spLocks noGrp="1"/>
+          </p:cNvSpPr>
+          <p:nvPr>
+            <p:ph type="title"/>
+          </p:nvPr>
+        </p:nvSpPr>
+        <p:spPr>
+          <a:xfrm>
+            <a:off x="457200" y="274638"/>
+            <a:ext cx="8229600" cy="6178698"/>
+          </a:xfrm>
+        </p:spPr>
+        <p:txBody>
+          <a:bodyPr>
+            <a:normAutofit/>
+          </a:bodyPr>
+          <a:lstStyle/>
+          <a:p>
+            <a:r>
+              <a:rPr lang="es-ES" sz="9600" dirty="0" smtClean="0">
+                <a:solidFill>
+                  <a:schemeClr val="bg1"/>
+                </a:solidFill>
+              </a:rPr>
+              <a:t>Modulo de </a:t>
+            </a:r>
+            <a:br>
+              <a:rPr lang="es-ES" sz="9600" dirty="0" smtClean="0">
+                <a:solidFill>
+                  <a:schemeClr val="bg1"/>
+                </a:solidFill>
+              </a:rPr>
+            </a:br>
+            <a:r>
+              <a:rPr lang="es-ES" sz="9600" dirty="0" smtClean="0">
+                <a:solidFill>
+                  <a:schemeClr val="bg1"/>
+                </a:solidFill>
+              </a:rPr>
+              <a:t>Caja</a:t>
+            </a:r>
+            <a:endParaRPr lang="es-ES" sz="9600" dirty="0">
+              <a:solidFill>
+                <a:schemeClr val="bg1"/>
+              </a:solidFill>
+            </a:endParaRPr>
+          </a:p>
+        </p:txBody>
+      </p:sp>
+    </p:spTree>
+    <p:extLst>
+      <p:ext uri="{BB962C8B-B14F-4D97-AF65-F5344CB8AC3E}">
+        <p14:creationId xmlns:p14="http://schemas.microsoft.com/office/powerpoint/2010/main" val="955673755"/>
+      </p:ext>
+    </p:extLst>
+  </p:cSld>
+  <p:clrMapOvr>
+    <a:masterClrMapping/>
+  </p:clrMapOvr>
+  <p:timing>
+    <p:tnLst>
+      <p:par>
+        <p:cTn id="1" dur="indefinite" restart="never" nodeType="tmRoot"/>
+      </p:par>
+    </p:tnLst>
+  </p:timing>
+</p:sld>
+</file>
+
+<file path=ppt/slides/slide8.xml><?xml version="1.0" encoding="utf-8"?>
+<p:sld xmlns:a="http://schemas.openxmlformats.org/drawingml/2006/main" xmlns:r="http://schemas.openxmlformats.org/officeDocument/2006/relationships" xmlns:p="http://schemas.openxmlformats.org/presentationml/2006/main">
+  <p:cSld>
+    <p:spTree>
+      <p:nvGrpSpPr>
+        <p:cNvPr id="1" name=""/>
+        <p:cNvGrpSpPr/>
+        <p:nvPr/>
+      </p:nvGrpSpPr>
+      <p:grpSpPr>
+        <a:xfrm>
+          <a:off x="0" y="0"/>
+          <a:ext cx="0" cy="0"/>
+          <a:chOff x="0" y="0"/>
+          <a:chExt cx="0" cy="0"/>
+        </a:xfrm>
+      </p:grpSpPr>
+      <p:sp>
+        <p:nvSpPr>
+          <p:cNvPr id="2" name="1 Título"/>
+          <p:cNvSpPr>
+            <a:spLocks noGrp="1"/>
+          </p:cNvSpPr>
+          <p:nvPr>
+            <p:ph type="title"/>
+          </p:nvPr>
+        </p:nvSpPr>
+        <p:spPr/>
+        <p:txBody>
+          <a:bodyPr>
+            <a:normAutofit fontScale="90000"/>
+          </a:bodyPr>
+          <a:lstStyle/>
+          <a:p>
+            <a:r>
+              <a:rPr lang="es-ES" dirty="0">
+                <a:solidFill>
+                  <a:schemeClr val="bg1"/>
+                </a:solidFill>
+              </a:rPr>
+              <a:t>Requerimientos del Modulo de </a:t>
+            </a:r>
+            <a:r>
+              <a:rPr lang="es-ES" dirty="0" smtClean="0">
+                <a:solidFill>
+                  <a:schemeClr val="bg1"/>
+                </a:solidFill>
+              </a:rPr>
+              <a:t>Caja</a:t>
+            </a:r>
+            <a:endParaRPr lang="es-PY" dirty="0">
+              <a:solidFill>
+                <a:schemeClr val="bg1"/>
+              </a:solidFill>
+            </a:endParaRPr>
+          </a:p>
+        </p:txBody>
+      </p:sp>
+      <p:sp>
+        <p:nvSpPr>
+          <p:cNvPr id="3" name="2 Marcador de contenido"/>
+          <p:cNvSpPr>
+            <a:spLocks noGrp="1"/>
+          </p:cNvSpPr>
+          <p:nvPr>
+            <p:ph idx="1"/>
+          </p:nvPr>
+        </p:nvSpPr>
+        <p:spPr/>
+        <p:txBody>
+          <a:bodyPr/>
+          <a:lstStyle/>
+          <a:p>
+            <a:r>
+              <a:rPr lang="es-PY" dirty="0">
+                <a:solidFill>
+                  <a:schemeClr val="bg1"/>
+                </a:solidFill>
+              </a:rPr>
+              <a:t>1. Se registraran los datos relacionados al ingreso y el egreso de dinero.</a:t>
+            </a:r>
+          </a:p>
+          <a:p>
+            <a:pPr lvl="1"/>
+            <a:r>
+              <a:rPr lang="es-PY" dirty="0">
+                <a:solidFill>
+                  <a:schemeClr val="bg1"/>
+                </a:solidFill>
+              </a:rPr>
+              <a:t>Aspectos adicionales a ser considerados</a:t>
+            </a:r>
+          </a:p>
+          <a:p>
+            <a:pPr lvl="2"/>
+            <a:r>
+              <a:rPr lang="es-PY" dirty="0" smtClean="0">
+                <a:solidFill>
+                  <a:schemeClr val="bg1"/>
+                </a:solidFill>
+              </a:rPr>
+              <a:t>Se </a:t>
+            </a:r>
+            <a:r>
+              <a:rPr lang="es-PY" dirty="0">
+                <a:solidFill>
+                  <a:schemeClr val="bg1"/>
+                </a:solidFill>
+              </a:rPr>
+              <a:t>asociaran los egresos e ingresos si corresponden a la factura de compra y factura de venta.</a:t>
+            </a:r>
+          </a:p>
+          <a:p>
+            <a:r>
+              <a:rPr lang="es-PY" dirty="0">
+                <a:solidFill>
+                  <a:schemeClr val="bg1"/>
+                </a:solidFill>
+              </a:rPr>
+              <a:t>2. Se realizaran apertura , arqueo y cierre de caja</a:t>
+            </a:r>
+          </a:p>
+        </p:txBody>
+      </p:sp>
+    </p:spTree>
+    <p:extLst>
+      <p:ext uri="{BB962C8B-B14F-4D97-AF65-F5344CB8AC3E}">
+        <p14:creationId xmlns:p14="http://schemas.microsoft.com/office/powerpoint/2010/main" val="2562030792"/>
+      </p:ext>
+    </p:extLst>
+  </p:cSld>
+  <p:clrMapOvr>
+    <a:masterClrMapping/>
+  </p:clrMapOvr>
+  <p:timing>
+    <p:tnLst>
+      <p:par>
+        <p:cTn id="1" dur="indefinite" restart="never" nodeType="tmRoot"/>
+      </p:par>
+    </p:tnLst>
+  </p:timing>
+</p:sld>
+</file>
+
+<file path=ppt/slides/slide9.xml><?xml version="1.0" encoding="utf-8"?>
+<p:sld xmlns:a="http://schemas.openxmlformats.org/drawingml/2006/main" xmlns:r="http://schemas.openxmlformats.org/officeDocument/2006/relationships" xmlns:p="http://schemas.openxmlformats.org/presentationml/2006/main">
+  <p:cSld>
+    <p:spTree>
+      <p:nvGrpSpPr>
+        <p:cNvPr id="1" name=""/>
+        <p:cNvGrpSpPr/>
+        <p:nvPr/>
+      </p:nvGrpSpPr>
+      <p:grpSpPr>
+        <a:xfrm>
+          <a:off x="0" y="0"/>
+          <a:ext cx="0" cy="0"/>
+          <a:chOff x="0" y="0"/>
+          <a:chExt cx="0" cy="0"/>
+        </a:xfrm>
+      </p:grpSpPr>
+      <p:pic>
+        <p:nvPicPr>
+          <p:cNvPr id="8" name="7 Marcador de contenido"/>
+          <p:cNvPicPr>
+            <a:picLocks noGrp="1" noChangeAspect="1"/>
+          </p:cNvPicPr>
+          <p:nvPr>
+            <p:ph idx="1"/>
+          </p:nvPr>
+        </p:nvPicPr>
+        <p:blipFill>
+          <a:blip r:embed="rId2">
+            <a:extLst>
+              <a:ext uri="{28A0092B-C50C-407E-A947-70E740481C1C}">
+                <a14:useLocalDpi xmlns:a14="http://schemas.microsoft.com/office/drawing/2010/main" val="0"/>
+              </a:ext>
+            </a:extLst>
+          </a:blip>
+          <a:stretch>
+            <a:fillRect/>
+          </a:stretch>
+        </p:blipFill>
+        <p:spPr>
+          <a:xfrm>
+            <a:off x="179512" y="188640"/>
+            <a:ext cx="9793087" cy="6840760"/>
+          </a:xfrm>
+        </p:spPr>
+      </p:pic>
+    </p:spTree>
+    <p:extLst>
+      <p:ext uri="{BB962C8B-B14F-4D97-AF65-F5344CB8AC3E}">
+        <p14:creationId xmlns:p14="http://schemas.microsoft.com/office/powerpoint/2010/main" val="2875759483"/>
+      </p:ext>
+    </p:extLst>
+  </p:cSld>
+  <p:clrMapOvr>
+    <a:masterClrMapping/>
+  </p:clrMapOvr>
 </p:sld>
 </file>
 
